--- a/PennMGIScensusData.pptx
+++ b/PennMGIScensusData.pptx
@@ -226,7 +226,7 @@
           <a:p>
             <a:fld id="{A6EB4CF0-643F-465F-AE08-FDD77E0C0237}" type="datetimeFigureOut">
               <a:rPr lang="en-US" smtClean="0"/>
-              <a:t>9/16/2021</a:t>
+              <a:t>9/28/2021</a:t>
             </a:fld>
             <a:endParaRPr lang="en-US"/>
           </a:p>
@@ -1635,7 +1635,7 @@
           <a:p>
             <a:fld id="{2C9D6A5C-3A6C-44F1-BC23-1AC73CDF580F}" type="datetimeFigureOut">
               <a:rPr lang="en-US" smtClean="0"/>
-              <a:t>9/16/2021</a:t>
+              <a:t>9/28/2021</a:t>
             </a:fld>
             <a:endParaRPr lang="en-US"/>
           </a:p>
@@ -1805,7 +1805,7 @@
           <a:p>
             <a:fld id="{2C9D6A5C-3A6C-44F1-BC23-1AC73CDF580F}" type="datetimeFigureOut">
               <a:rPr lang="en-US" smtClean="0"/>
-              <a:t>9/16/2021</a:t>
+              <a:t>9/28/2021</a:t>
             </a:fld>
             <a:endParaRPr lang="en-US"/>
           </a:p>
@@ -1985,7 +1985,7 @@
           <a:p>
             <a:fld id="{2C9D6A5C-3A6C-44F1-BC23-1AC73CDF580F}" type="datetimeFigureOut">
               <a:rPr lang="en-US" smtClean="0"/>
-              <a:t>9/16/2021</a:t>
+              <a:t>9/28/2021</a:t>
             </a:fld>
             <a:endParaRPr lang="en-US"/>
           </a:p>
@@ -2155,7 +2155,7 @@
           <a:p>
             <a:fld id="{2C9D6A5C-3A6C-44F1-BC23-1AC73CDF580F}" type="datetimeFigureOut">
               <a:rPr lang="en-US" smtClean="0"/>
-              <a:t>9/16/2021</a:t>
+              <a:t>9/28/2021</a:t>
             </a:fld>
             <a:endParaRPr lang="en-US"/>
           </a:p>
@@ -2401,7 +2401,7 @@
           <a:p>
             <a:fld id="{2C9D6A5C-3A6C-44F1-BC23-1AC73CDF580F}" type="datetimeFigureOut">
               <a:rPr lang="en-US" smtClean="0"/>
-              <a:t>9/16/2021</a:t>
+              <a:t>9/28/2021</a:t>
             </a:fld>
             <a:endParaRPr lang="en-US"/>
           </a:p>
@@ -2633,7 +2633,7 @@
           <a:p>
             <a:fld id="{2C9D6A5C-3A6C-44F1-BC23-1AC73CDF580F}" type="datetimeFigureOut">
               <a:rPr lang="en-US" smtClean="0"/>
-              <a:t>9/16/2021</a:t>
+              <a:t>9/28/2021</a:t>
             </a:fld>
             <a:endParaRPr lang="en-US"/>
           </a:p>
@@ -3000,7 +3000,7 @@
           <a:p>
             <a:fld id="{2C9D6A5C-3A6C-44F1-BC23-1AC73CDF580F}" type="datetimeFigureOut">
               <a:rPr lang="en-US" smtClean="0"/>
-              <a:t>9/16/2021</a:t>
+              <a:t>9/28/2021</a:t>
             </a:fld>
             <a:endParaRPr lang="en-US"/>
           </a:p>
@@ -3118,7 +3118,7 @@
           <a:p>
             <a:fld id="{2C9D6A5C-3A6C-44F1-BC23-1AC73CDF580F}" type="datetimeFigureOut">
               <a:rPr lang="en-US" smtClean="0"/>
-              <a:t>9/16/2021</a:t>
+              <a:t>9/28/2021</a:t>
             </a:fld>
             <a:endParaRPr lang="en-US"/>
           </a:p>
@@ -3213,7 +3213,7 @@
           <a:p>
             <a:fld id="{2C9D6A5C-3A6C-44F1-BC23-1AC73CDF580F}" type="datetimeFigureOut">
               <a:rPr lang="en-US" smtClean="0"/>
-              <a:t>9/16/2021</a:t>
+              <a:t>9/28/2021</a:t>
             </a:fld>
             <a:endParaRPr lang="en-US"/>
           </a:p>
@@ -3490,7 +3490,7 @@
           <a:p>
             <a:fld id="{2C9D6A5C-3A6C-44F1-BC23-1AC73CDF580F}" type="datetimeFigureOut">
               <a:rPr lang="en-US" smtClean="0"/>
-              <a:t>9/16/2021</a:t>
+              <a:t>9/28/2021</a:t>
             </a:fld>
             <a:endParaRPr lang="en-US"/>
           </a:p>
@@ -3743,7 +3743,7 @@
           <a:p>
             <a:fld id="{2C9D6A5C-3A6C-44F1-BC23-1AC73CDF580F}" type="datetimeFigureOut">
               <a:rPr lang="en-US" smtClean="0"/>
-              <a:t>9/16/2021</a:t>
+              <a:t>9/28/2021</a:t>
             </a:fld>
             <a:endParaRPr lang="en-US"/>
           </a:p>
@@ -3956,7 +3956,7 @@
           <a:p>
             <a:fld id="{2C9D6A5C-3A6C-44F1-BC23-1AC73CDF580F}" type="datetimeFigureOut">
               <a:rPr lang="en-US" smtClean="0"/>
-              <a:t>9/16/2021</a:t>
+              <a:t>9/28/2021</a:t>
             </a:fld>
             <a:endParaRPr lang="en-US"/>
           </a:p>
@@ -4667,15 +4667,7 @@
           <a:p>
             <a:r>
               <a:rPr lang="en-US" dirty="0" smtClean="0"/>
-              <a:t>Proceed either to the classical interface </a:t>
-            </a:r>
-            <a:r>
-              <a:rPr lang="en-US" dirty="0" smtClean="0"/>
-              <a:t>or the “new Reports app” </a:t>
-            </a:r>
-            <a:r>
-              <a:rPr lang="en-US" dirty="0" smtClean="0"/>
-              <a:t>interface.</a:t>
+              <a:t>Proceed either to the classical interface or the “new Reports app” interface.</a:t>
             </a:r>
             <a:endParaRPr lang="en-US" dirty="0"/>
           </a:p>
@@ -7808,7 +7800,19 @@
             <a:pPr lvl="2"/>
             <a:r>
               <a:rPr lang="en-US" dirty="0" smtClean="0"/>
-              <a:t>1 year estimates (Published </a:t>
+              <a:t>ACS 1 year estimates, </a:t>
+            </a:r>
+            <a:r>
+              <a:rPr lang="en-US" dirty="0"/>
+              <a:t>based on data collected between January </a:t>
+            </a:r>
+            <a:r>
+              <a:rPr lang="en-US" dirty="0" smtClean="0"/>
+              <a:t>and December, represent the average characteristics over the calendar year, p</a:t>
+            </a:r>
+            <a:r>
+              <a:rPr lang="en-US" dirty="0" smtClean="0"/>
+              <a:t>ublished </a:t>
             </a:r>
             <a:r>
               <a:rPr lang="en-US" dirty="0"/>
@@ -7824,22 +7828,81 @@
             </a:r>
             <a:r>
               <a:rPr lang="en-US" dirty="0" smtClean="0"/>
-              <a:t>greater)</a:t>
-            </a:r>
+              <a:t>greater.</a:t>
+            </a:r>
+            <a:endParaRPr lang="en-US" dirty="0" smtClean="0"/>
           </a:p>
           <a:p>
             <a:pPr lvl="2"/>
             <a:r>
               <a:rPr lang="en-US" dirty="0" smtClean="0"/>
-              <a:t>1 year supplemental estimates (for small populations)</a:t>
-            </a:r>
+              <a:t>ACS 1 </a:t>
+            </a:r>
+            <a:r>
+              <a:rPr lang="en-US" dirty="0" smtClean="0"/>
+              <a:t>year supplemental </a:t>
+            </a:r>
+            <a:r>
+              <a:rPr lang="en-US" dirty="0" smtClean="0"/>
+              <a:t>estimates, for </a:t>
+            </a:r>
+            <a:r>
+              <a:rPr lang="en-US" dirty="0" smtClean="0"/>
+              <a:t>small </a:t>
+            </a:r>
+            <a:r>
+              <a:rPr lang="en-US" dirty="0" smtClean="0"/>
+              <a:t>populations 20000 – 64999.</a:t>
+            </a:r>
+            <a:endParaRPr lang="en-US" dirty="0" smtClean="0"/>
           </a:p>
           <a:p>
             <a:pPr lvl="2"/>
             <a:r>
               <a:rPr lang="en-US" dirty="0" smtClean="0"/>
-              <a:t>5 year estimates (for very small populations)</a:t>
-            </a:r>
+              <a:t>ACS 5 </a:t>
+            </a:r>
+            <a:r>
+              <a:rPr lang="en-US" dirty="0" smtClean="0"/>
+              <a:t>year </a:t>
+            </a:r>
+            <a:r>
+              <a:rPr lang="en-US" dirty="0" smtClean="0"/>
+              <a:t>estimates, </a:t>
+            </a:r>
+            <a:r>
+              <a:rPr lang="en-US" dirty="0" smtClean="0"/>
+              <a:t>based </a:t>
+            </a:r>
+            <a:r>
+              <a:rPr lang="en-US" dirty="0"/>
+              <a:t>on data collected in five consecutive </a:t>
+            </a:r>
+            <a:r>
+              <a:rPr lang="en-US" dirty="0" smtClean="0"/>
+              <a:t>years, </a:t>
+            </a:r>
+            <a:r>
+              <a:rPr lang="en-US" dirty="0"/>
+              <a:t>represent the average characteristics over the </a:t>
+            </a:r>
+            <a:r>
+              <a:rPr lang="en-US" dirty="0" smtClean="0"/>
+              <a:t>5 year period, </a:t>
+            </a:r>
+            <a:r>
+              <a:rPr lang="en-US" dirty="0" smtClean="0"/>
+              <a:t>for </a:t>
+            </a:r>
+            <a:r>
+              <a:rPr lang="en-US" dirty="0" smtClean="0"/>
+              <a:t>very small </a:t>
+            </a:r>
+            <a:r>
+              <a:rPr lang="en-US" dirty="0" smtClean="0"/>
+              <a:t>populations less than 20,000.</a:t>
+            </a:r>
+            <a:endParaRPr lang="en-US" dirty="0" smtClean="0"/>
           </a:p>
           <a:p>
             <a:r>
